--- a/H4/Sıralama Algoritmaları.pptx
+++ b/H4/Sıralama Algoritmaları.pptx
@@ -216,7 +216,7 @@
           <a:p>
             <a:fld id="{3E511C92-D626-4E8D-83AB-191F6B8D1B19}" type="datetimeFigureOut">
               <a:rPr lang="tr-TR" smtClean="0"/>
-              <a:t>18.10.2018</a:t>
+              <a:t>21.10.2018</a:t>
             </a:fld>
             <a:endParaRPr lang="tr-TR"/>
           </a:p>
@@ -612,7 +612,7 @@
           <a:p>
             <a:fld id="{3585F83E-E641-420D-AD4A-0428D9C593A9}" type="datetime1">
               <a:rPr lang="tr-TR" smtClean="0"/>
-              <a:t>18.10.2018</a:t>
+              <a:t>21.10.2018</a:t>
             </a:fld>
             <a:endParaRPr lang="tr-TR"/>
           </a:p>
@@ -783,7 +783,7 @@
           <a:p>
             <a:fld id="{9C2A5C20-B412-4F90-A739-3E3A15723F3F}" type="datetime1">
               <a:rPr lang="tr-TR" smtClean="0"/>
-              <a:t>18.10.2018</a:t>
+              <a:t>21.10.2018</a:t>
             </a:fld>
             <a:endParaRPr lang="tr-TR"/>
           </a:p>
@@ -964,7 +964,7 @@
           <a:p>
             <a:fld id="{D35D6E7C-2583-4FCE-B2CA-9CB0D2F99423}" type="datetime1">
               <a:rPr lang="tr-TR" smtClean="0"/>
-              <a:t>18.10.2018</a:t>
+              <a:t>21.10.2018</a:t>
             </a:fld>
             <a:endParaRPr lang="tr-TR"/>
           </a:p>
@@ -1135,7 +1135,7 @@
           <a:p>
             <a:fld id="{44227789-8AA2-4B0C-A461-D7B7BFB64685}" type="datetime1">
               <a:rPr lang="tr-TR" smtClean="0"/>
-              <a:t>18.10.2018</a:t>
+              <a:t>21.10.2018</a:t>
             </a:fld>
             <a:endParaRPr lang="tr-TR"/>
           </a:p>
@@ -1383,7 +1383,7 @@
           <a:p>
             <a:fld id="{5DA41233-D6D4-47E0-A47F-C0BB4BF0E9CB}" type="datetime1">
               <a:rPr lang="tr-TR" smtClean="0"/>
-              <a:t>18.10.2018</a:t>
+              <a:t>21.10.2018</a:t>
             </a:fld>
             <a:endParaRPr lang="tr-TR"/>
           </a:p>
@@ -1615,7 +1615,7 @@
           <a:p>
             <a:fld id="{44E2049D-E225-4940-9A71-0E60665AB911}" type="datetime1">
               <a:rPr lang="tr-TR" smtClean="0"/>
-              <a:t>18.10.2018</a:t>
+              <a:t>21.10.2018</a:t>
             </a:fld>
             <a:endParaRPr lang="tr-TR"/>
           </a:p>
@@ -1982,7 +1982,7 @@
           <a:p>
             <a:fld id="{5E562541-757B-4909-B06F-E2B07F89CFFE}" type="datetime1">
               <a:rPr lang="tr-TR" smtClean="0"/>
-              <a:t>18.10.2018</a:t>
+              <a:t>21.10.2018</a:t>
             </a:fld>
             <a:endParaRPr lang="tr-TR"/>
           </a:p>
@@ -2102,7 +2102,7 @@
           <a:p>
             <a:fld id="{AF4CC501-940E-4BB5-901F-DA69AFCDD2B5}" type="datetime1">
               <a:rPr lang="tr-TR" smtClean="0"/>
-              <a:t>18.10.2018</a:t>
+              <a:t>21.10.2018</a:t>
             </a:fld>
             <a:endParaRPr lang="tr-TR"/>
           </a:p>
@@ -2200,7 +2200,7 @@
           <a:p>
             <a:fld id="{9015E0CA-B542-4C05-B2DB-405B8512A048}" type="datetime1">
               <a:rPr lang="tr-TR" smtClean="0"/>
-              <a:t>18.10.2018</a:t>
+              <a:t>21.10.2018</a:t>
             </a:fld>
             <a:endParaRPr lang="tr-TR"/>
           </a:p>
@@ -2478,7 +2478,7 @@
           <a:p>
             <a:fld id="{DB431FB2-A68C-4C84-9C1D-0E8A8CF1D229}" type="datetime1">
               <a:rPr lang="tr-TR" smtClean="0"/>
-              <a:t>18.10.2018</a:t>
+              <a:t>21.10.2018</a:t>
             </a:fld>
             <a:endParaRPr lang="tr-TR"/>
           </a:p>
@@ -2733,7 +2733,7 @@
           <a:p>
             <a:fld id="{FB159A1F-4FEB-437E-8808-8F2037A4A9EE}" type="datetime1">
               <a:rPr lang="tr-TR" smtClean="0"/>
-              <a:t>18.10.2018</a:t>
+              <a:t>21.10.2018</a:t>
             </a:fld>
             <a:endParaRPr lang="tr-TR"/>
           </a:p>
@@ -2947,7 +2947,7 @@
           <a:p>
             <a:fld id="{69D67AA1-B1CB-4454-8B31-C9280ECFE04F}" type="datetime1">
               <a:rPr lang="tr-TR" smtClean="0"/>
-              <a:t>18.10.2018</a:t>
+              <a:t>21.10.2018</a:t>
             </a:fld>
             <a:endParaRPr lang="tr-TR"/>
           </a:p>
@@ -3410,13 +3410,6 @@
   <p:clrMapOvr>
     <a:masterClrMapping/>
   </p:clrMapOvr>
-  <p:timing>
-    <p:tnLst>
-      <p:par>
-        <p:cTn id="1" dur="indefinite" restart="never" nodeType="tmRoot"/>
-      </p:par>
-    </p:tnLst>
-  </p:timing>
 </p:sld>
 </file>
 
@@ -3453,15 +3446,15 @@
           <a:lstStyle/>
           <a:p>
             <a:r>
-              <a:rPr lang="tr-TR" dirty="0" err="1" smtClean="0"/>
+              <a:rPr lang="tr-TR" dirty="0" err="1"/>
               <a:t>Merge</a:t>
             </a:r>
             <a:r>
-              <a:rPr lang="tr-TR" dirty="0" smtClean="0"/>
+              <a:rPr lang="tr-TR" dirty="0"/>
               <a:t> </a:t>
             </a:r>
             <a:r>
-              <a:rPr lang="tr-TR" dirty="0" err="1" smtClean="0"/>
+              <a:rPr lang="tr-TR" dirty="0" err="1"/>
               <a:t>sort</a:t>
             </a:r>
             <a:endParaRPr lang="tr-TR" dirty="0"/>
@@ -3484,13 +3477,13 @@
           <a:lstStyle/>
           <a:p>
             <a:r>
-              <a:rPr lang="tr-TR" dirty="0" smtClean="0"/>
+              <a:rPr lang="tr-TR" dirty="0"/>
               <a:t>Algoritma analizi</a:t>
             </a:r>
           </a:p>
           <a:p>
             <a:r>
-              <a:rPr lang="tr-TR" dirty="0" smtClean="0"/>
+              <a:rPr lang="tr-TR" dirty="0"/>
               <a:t>Dizi her defasında ikiye bölünüyor ve alt dizilerde karşılaştırma yapılıyor</a:t>
             </a:r>
           </a:p>
@@ -3506,33 +3499,27 @@
             </a:r>
             <a:r>
               <a:rPr lang="tr-TR" dirty="0"/>
-              <a:t>n</a:t>
-            </a:r>
-            <a:r>
-              <a:rPr lang="tr-TR" dirty="0" smtClean="0"/>
-              <a:t>)</a:t>
-            </a:r>
-            <a:endParaRPr lang="tr-TR" dirty="0"/>
+              <a:t>n)</a:t>
+            </a:r>
           </a:p>
           <a:p>
             <a:pPr lvl="1"/>
             <a:r>
-              <a:rPr lang="tr-TR" dirty="0" err="1" smtClean="0"/>
+              <a:rPr lang="tr-TR" dirty="0" err="1"/>
               <a:t>Quick</a:t>
             </a:r>
             <a:r>
-              <a:rPr lang="tr-TR" dirty="0" smtClean="0"/>
+              <a:rPr lang="tr-TR" dirty="0"/>
               <a:t> </a:t>
             </a:r>
             <a:r>
-              <a:rPr lang="tr-TR" dirty="0" err="1" smtClean="0"/>
+              <a:rPr lang="tr-TR" dirty="0" err="1"/>
               <a:t>sort</a:t>
             </a:r>
             <a:r>
-              <a:rPr lang="tr-TR" dirty="0" smtClean="0"/>
+              <a:rPr lang="tr-TR" dirty="0"/>
               <a:t> algoritmasından daha avantajlı</a:t>
             </a:r>
-            <a:endParaRPr lang="tr-TR" dirty="0"/>
           </a:p>
         </p:txBody>
       </p:sp>
@@ -3552,10 +3539,9 @@
           <a:lstStyle/>
           <a:p>
             <a:r>
-              <a:rPr lang="tr-TR" smtClean="0"/>
+              <a:rPr lang="tr-TR"/>
               <a:t>Yunus Santur , ysantur@gmail.com</a:t>
             </a:r>
-            <a:endParaRPr lang="tr-TR"/>
           </a:p>
         </p:txBody>
       </p:sp>
@@ -3569,13 +3555,6 @@
   <p:clrMapOvr>
     <a:masterClrMapping/>
   </p:clrMapOvr>
-  <p:timing>
-    <p:tnLst>
-      <p:par>
-        <p:cTn id="1" dur="indefinite" restart="never" nodeType="tmRoot"/>
-      </p:par>
-    </p:tnLst>
-  </p:timing>
 </p:sld>
 </file>
 
@@ -3612,15 +3591,15 @@
           <a:lstStyle/>
           <a:p>
             <a:r>
-              <a:rPr lang="tr-TR" dirty="0" err="1" smtClean="0"/>
+              <a:rPr lang="tr-TR" dirty="0" err="1"/>
               <a:t>Radix</a:t>
             </a:r>
             <a:r>
-              <a:rPr lang="tr-TR" dirty="0" smtClean="0"/>
+              <a:rPr lang="tr-TR" dirty="0"/>
               <a:t> </a:t>
             </a:r>
             <a:r>
-              <a:rPr lang="tr-TR" dirty="0" err="1" smtClean="0"/>
+              <a:rPr lang="tr-TR" dirty="0" err="1"/>
               <a:t>sort</a:t>
             </a:r>
             <a:endParaRPr lang="tr-TR" dirty="0"/>
@@ -3644,39 +3623,34 @@
           <a:p>
             <a:r>
               <a:rPr lang="tr-TR" dirty="0"/>
-              <a:t>B</a:t>
-            </a:r>
-            <a:r>
-              <a:rPr lang="tr-TR" dirty="0" smtClean="0"/>
-              <a:t>asamak değerlerine göre sıralayan bir algoritmadır.</a:t>
-            </a:r>
-          </a:p>
-          <a:p>
-            <a:r>
-              <a:rPr lang="tr-TR" dirty="0" smtClean="0"/>
+              <a:t>Basamak değerlerine göre sıralayan bir algoritmadır.</a:t>
+            </a:r>
+          </a:p>
+          <a:p>
+            <a:r>
+              <a:rPr lang="tr-TR" dirty="0"/>
               <a:t>Sadece sayılar değil, tarih ve karakter dizileri üzerinde de sıralama yapabilir.</a:t>
             </a:r>
           </a:p>
           <a:p>
             <a:r>
-              <a:rPr lang="tr-TR" dirty="0" smtClean="0"/>
+              <a:rPr lang="tr-TR" dirty="0"/>
               <a:t>O(n)</a:t>
             </a:r>
           </a:p>
           <a:p>
             <a:pPr lvl="1"/>
             <a:r>
-              <a:rPr lang="tr-TR" dirty="0" smtClean="0"/>
+              <a:rPr lang="tr-TR" dirty="0"/>
               <a:t>En anlamlı basamağa göre sırala</a:t>
             </a:r>
           </a:p>
           <a:p>
             <a:pPr lvl="1"/>
             <a:r>
-              <a:rPr lang="tr-TR" dirty="0" smtClean="0"/>
+              <a:rPr lang="tr-TR" dirty="0"/>
               <a:t>En anlamsız basamağa göre sırala</a:t>
             </a:r>
-            <a:endParaRPr lang="tr-TR" dirty="0"/>
           </a:p>
         </p:txBody>
       </p:sp>
@@ -3696,10 +3670,9 @@
           <a:lstStyle/>
           <a:p>
             <a:r>
-              <a:rPr lang="tr-TR" smtClean="0"/>
+              <a:rPr lang="tr-TR"/>
               <a:t>Yunus Santur , ysantur@gmail.com</a:t>
             </a:r>
-            <a:endParaRPr lang="tr-TR"/>
           </a:p>
         </p:txBody>
       </p:sp>
@@ -3713,13 +3686,6 @@
   <p:clrMapOvr>
     <a:masterClrMapping/>
   </p:clrMapOvr>
-  <p:timing>
-    <p:tnLst>
-      <p:par>
-        <p:cTn id="1" dur="indefinite" restart="never" nodeType="tmRoot"/>
-      </p:par>
-    </p:tnLst>
-  </p:timing>
 </p:sld>
 </file>
 
@@ -3756,15 +3722,15 @@
           <a:lstStyle/>
           <a:p>
             <a:r>
-              <a:rPr lang="tr-TR" dirty="0" err="1" smtClean="0"/>
+              <a:rPr lang="tr-TR" dirty="0" err="1"/>
               <a:t>Radix</a:t>
             </a:r>
             <a:r>
-              <a:rPr lang="tr-TR" dirty="0" smtClean="0"/>
+              <a:rPr lang="tr-TR" dirty="0"/>
               <a:t> </a:t>
             </a:r>
             <a:r>
-              <a:rPr lang="tr-TR" dirty="0" err="1" smtClean="0"/>
+              <a:rPr lang="tr-TR" dirty="0" err="1"/>
               <a:t>sort</a:t>
             </a:r>
             <a:endParaRPr lang="tr-TR" dirty="0"/>
@@ -3787,26 +3753,25 @@
           <a:lstStyle/>
           <a:p>
             <a:r>
-              <a:rPr lang="tr-TR" dirty="0" smtClean="0"/>
+              <a:rPr lang="tr-TR" dirty="0"/>
               <a:t>Bilgisayardaki tüm veriler </a:t>
             </a:r>
             <a:r>
-              <a:rPr lang="tr-TR" dirty="0" err="1" smtClean="0"/>
+              <a:rPr lang="tr-TR" dirty="0" err="1"/>
               <a:t>ascii</a:t>
             </a:r>
             <a:r>
-              <a:rPr lang="tr-TR" dirty="0" smtClean="0"/>
+              <a:rPr lang="tr-TR" dirty="0"/>
               <a:t> kod tablosunda </a:t>
             </a:r>
             <a:r>
-              <a:rPr lang="tr-TR" dirty="0" err="1" smtClean="0"/>
+              <a:rPr lang="tr-TR" dirty="0" err="1"/>
               <a:t>binary</a:t>
             </a:r>
             <a:r>
-              <a:rPr lang="tr-TR" dirty="0" smtClean="0"/>
+              <a:rPr lang="tr-TR" dirty="0"/>
               <a:t> olarak saklandığını hatırlayalım</a:t>
             </a:r>
-            <a:endParaRPr lang="tr-TR" dirty="0"/>
           </a:p>
         </p:txBody>
       </p:sp>
@@ -3826,10 +3791,9 @@
           <a:lstStyle/>
           <a:p>
             <a:r>
-              <a:rPr lang="tr-TR" smtClean="0"/>
+              <a:rPr lang="tr-TR"/>
               <a:t>Yunus Santur , ysantur@gmail.com</a:t>
             </a:r>
-            <a:endParaRPr lang="tr-TR"/>
           </a:p>
         </p:txBody>
       </p:sp>
@@ -3912,13 +3876,6 @@
   <p:clrMapOvr>
     <a:masterClrMapping/>
   </p:clrMapOvr>
-  <p:timing>
-    <p:tnLst>
-      <p:par>
-        <p:cTn id="1" dur="indefinite" restart="never" nodeType="tmRoot"/>
-      </p:par>
-    </p:tnLst>
-  </p:timing>
 </p:sld>
 </file>
 
@@ -3955,15 +3912,15 @@
           <a:lstStyle/>
           <a:p>
             <a:r>
-              <a:rPr lang="tr-TR" dirty="0" err="1" smtClean="0"/>
+              <a:rPr lang="tr-TR" dirty="0" err="1"/>
               <a:t>Radix</a:t>
             </a:r>
             <a:r>
-              <a:rPr lang="tr-TR" dirty="0" smtClean="0"/>
+              <a:rPr lang="tr-TR" dirty="0"/>
               <a:t> </a:t>
             </a:r>
             <a:r>
-              <a:rPr lang="tr-TR" dirty="0" err="1" smtClean="0"/>
+              <a:rPr lang="tr-TR" dirty="0" err="1"/>
               <a:t>sort</a:t>
             </a:r>
             <a:endParaRPr lang="tr-TR" dirty="0"/>
@@ -3986,7 +3943,7 @@
           <a:lstStyle/>
           <a:p>
             <a:r>
-              <a:rPr lang="tr-TR" smtClean="0"/>
+              <a:rPr lang="tr-TR"/>
               <a:t>Sayıları ikili tabana dönüştürerek bit lere göre sıralanabilir.</a:t>
             </a:r>
             <a:endParaRPr lang="tr-TR" dirty="0"/>
@@ -4009,10 +3966,9 @@
           <a:lstStyle/>
           <a:p>
             <a:r>
-              <a:rPr lang="tr-TR" smtClean="0"/>
+              <a:rPr lang="tr-TR"/>
               <a:t>Yunus Santur , ysantur@gmail.com</a:t>
             </a:r>
-            <a:endParaRPr lang="tr-TR"/>
           </a:p>
         </p:txBody>
       </p:sp>
@@ -4095,13 +4051,6 @@
   <p:clrMapOvr>
     <a:masterClrMapping/>
   </p:clrMapOvr>
-  <p:timing>
-    <p:tnLst>
-      <p:par>
-        <p:cTn id="1" dur="indefinite" restart="never" nodeType="tmRoot"/>
-      </p:par>
-    </p:tnLst>
-  </p:timing>
 </p:sld>
 </file>
 
@@ -4138,15 +4087,15 @@
           <a:lstStyle/>
           <a:p>
             <a:r>
-              <a:rPr lang="tr-TR" dirty="0" err="1" smtClean="0"/>
+              <a:rPr lang="tr-TR" dirty="0" err="1"/>
               <a:t>Radix</a:t>
             </a:r>
             <a:r>
-              <a:rPr lang="tr-TR" dirty="0" smtClean="0"/>
+              <a:rPr lang="tr-TR" dirty="0"/>
               <a:t> </a:t>
             </a:r>
             <a:r>
-              <a:rPr lang="tr-TR" dirty="0" err="1" smtClean="0"/>
+              <a:rPr lang="tr-TR" dirty="0" err="1"/>
               <a:t>sort</a:t>
             </a:r>
             <a:endParaRPr lang="tr-TR" dirty="0"/>
@@ -4169,116 +4118,96 @@
           <a:lstStyle/>
           <a:p>
             <a:r>
-              <a:rPr lang="tr-TR" dirty="0" smtClean="0"/>
+              <a:rPr lang="tr-TR" dirty="0"/>
               <a:t>Algoritma</a:t>
             </a:r>
           </a:p>
           <a:p>
             <a:r>
-              <a:rPr lang="tr-TR" dirty="0" smtClean="0"/>
+              <a:rPr lang="tr-TR" dirty="0"/>
               <a:t>Sayıların </a:t>
             </a:r>
             <a:r>
-              <a:rPr lang="tr-TR" dirty="0" err="1" smtClean="0"/>
+              <a:rPr lang="tr-TR" dirty="0" err="1"/>
               <a:t>binary</a:t>
             </a:r>
             <a:r>
-              <a:rPr lang="tr-TR" dirty="0" smtClean="0"/>
+              <a:rPr lang="tr-TR" dirty="0"/>
               <a:t> bitleri üzerinde sıralama yapılır.	</a:t>
             </a:r>
           </a:p>
           <a:p>
             <a:pPr lvl="1"/>
             <a:r>
-              <a:rPr lang="tr-TR" dirty="0" smtClean="0"/>
+              <a:rPr lang="tr-TR" dirty="0"/>
               <a:t>İlk döngüde sayılar birler basamağına göre sıralanır. (2</a:t>
             </a:r>
             <a:r>
-              <a:rPr lang="tr-TR" baseline="30000" dirty="0" smtClean="0"/>
+              <a:rPr lang="tr-TR" baseline="30000" dirty="0"/>
               <a:t>0</a:t>
             </a:r>
             <a:r>
-              <a:rPr lang="tr-TR" dirty="0" smtClean="0"/>
+              <a:rPr lang="tr-TR" dirty="0"/>
               <a:t>)</a:t>
             </a:r>
           </a:p>
           <a:p>
             <a:pPr lvl="1"/>
             <a:r>
-              <a:rPr lang="tr-TR" dirty="0" smtClean="0"/>
+              <a:rPr lang="tr-TR" dirty="0"/>
               <a:t>İkinci döngüde sayılar ikiler basamağına göre sıralanır. (2</a:t>
             </a:r>
             <a:r>
-              <a:rPr lang="tr-TR" baseline="30000" dirty="0" smtClean="0"/>
+              <a:rPr lang="tr-TR" baseline="30000" dirty="0"/>
               <a:t>1</a:t>
             </a:r>
             <a:r>
-              <a:rPr lang="tr-TR" dirty="0" smtClean="0"/>
+              <a:rPr lang="tr-TR" dirty="0"/>
               <a:t>)</a:t>
             </a:r>
           </a:p>
           <a:p>
             <a:pPr lvl="1"/>
             <a:r>
-              <a:rPr lang="tr-TR" dirty="0" smtClean="0"/>
-              <a:t>Üçüncü döngüde </a:t>
-            </a:r>
-            <a:r>
-              <a:rPr lang="tr-TR" dirty="0"/>
-              <a:t>sayılar </a:t>
-            </a:r>
-            <a:r>
-              <a:rPr lang="tr-TR" dirty="0" smtClean="0"/>
-              <a:t>dörtler basamağına </a:t>
-            </a:r>
-            <a:r>
-              <a:rPr lang="tr-TR" dirty="0"/>
-              <a:t>göre sıralanır. </a:t>
-            </a:r>
-            <a:r>
-              <a:rPr lang="tr-TR" dirty="0" smtClean="0"/>
-              <a:t>(2</a:t>
-            </a:r>
-            <a:r>
-              <a:rPr lang="tr-TR" baseline="30000" dirty="0" smtClean="0"/>
+              <a:rPr lang="tr-TR" dirty="0"/>
+              <a:t>Üçüncü döngüde sayılar dörtler basamağına göre sıralanır. (2</a:t>
+            </a:r>
+            <a:r>
+              <a:rPr lang="tr-TR" baseline="30000" dirty="0"/>
               <a:t>2</a:t>
             </a:r>
             <a:r>
-              <a:rPr lang="tr-TR" dirty="0" smtClean="0"/>
+              <a:rPr lang="tr-TR" dirty="0"/>
               <a:t>)</a:t>
             </a:r>
           </a:p>
           <a:p>
             <a:pPr lvl="1"/>
             <a:r>
-              <a:rPr lang="tr-TR" dirty="0" err="1" smtClean="0"/>
+              <a:rPr lang="tr-TR" dirty="0" err="1"/>
               <a:t>N.döngüde</a:t>
             </a:r>
             <a:r>
-              <a:rPr lang="tr-TR" dirty="0" smtClean="0"/>
+              <a:rPr lang="tr-TR" dirty="0"/>
               <a:t> sayılar 2</a:t>
             </a:r>
             <a:r>
-              <a:rPr lang="tr-TR" baseline="30000" dirty="0" smtClean="0"/>
+              <a:rPr lang="tr-TR" baseline="30000" dirty="0"/>
               <a:t>n-1</a:t>
             </a:r>
             <a:r>
               <a:rPr lang="tr-TR" dirty="0"/>
-              <a:t> </a:t>
-            </a:r>
-            <a:r>
-              <a:rPr lang="tr-TR" dirty="0" smtClean="0"/>
-              <a:t>basamağına göre sıralanır. (2</a:t>
-            </a:r>
-            <a:r>
-              <a:rPr lang="tr-TR" baseline="30000" dirty="0" smtClean="0"/>
+              <a:t> basamağına göre sıralanır. (2</a:t>
+            </a:r>
+            <a:r>
+              <a:rPr lang="tr-TR" baseline="30000" dirty="0"/>
               <a:t>n-1</a:t>
             </a:r>
             <a:r>
-              <a:rPr lang="tr-TR" dirty="0" smtClean="0"/>
+              <a:rPr lang="tr-TR" dirty="0"/>
               <a:t>)</a:t>
             </a:r>
-            <a:endParaRPr lang="tr-TR" baseline="30000" dirty="0" smtClean="0"/>
+            <a:endParaRPr lang="tr-TR" baseline="30000" dirty="0"/>
           </a:p>
           <a:p>
             <a:pPr lvl="1"/>
@@ -4286,7 +4215,7 @@
           </a:p>
           <a:p>
             <a:pPr lvl="1"/>
-            <a:endParaRPr lang="tr-TR" dirty="0" smtClean="0"/>
+            <a:endParaRPr lang="tr-TR" dirty="0"/>
           </a:p>
           <a:p>
             <a:pPr lvl="1"/>
@@ -4310,10 +4239,9 @@
           <a:lstStyle/>
           <a:p>
             <a:r>
-              <a:rPr lang="tr-TR" smtClean="0"/>
+              <a:rPr lang="tr-TR"/>
               <a:t>Yunus Santur , ysantur@gmail.com</a:t>
             </a:r>
-            <a:endParaRPr lang="tr-TR"/>
           </a:p>
         </p:txBody>
       </p:sp>
@@ -4396,13 +4324,6 @@
   <p:clrMapOvr>
     <a:masterClrMapping/>
   </p:clrMapOvr>
-  <p:timing>
-    <p:tnLst>
-      <p:par>
-        <p:cTn id="1" dur="indefinite" restart="never" nodeType="tmRoot"/>
-      </p:par>
-    </p:tnLst>
-  </p:timing>
 </p:sld>
 </file>
 
@@ -4439,15 +4360,15 @@
           <a:lstStyle/>
           <a:p>
             <a:r>
-              <a:rPr lang="tr-TR" dirty="0" err="1" smtClean="0"/>
+              <a:rPr lang="tr-TR" dirty="0" err="1"/>
               <a:t>Radix</a:t>
             </a:r>
             <a:r>
-              <a:rPr lang="tr-TR" dirty="0" smtClean="0"/>
+              <a:rPr lang="tr-TR" dirty="0"/>
               <a:t> </a:t>
             </a:r>
             <a:r>
-              <a:rPr lang="tr-TR" dirty="0" err="1" smtClean="0"/>
+              <a:rPr lang="tr-TR" dirty="0" err="1"/>
               <a:t>sort</a:t>
             </a:r>
             <a:endParaRPr lang="tr-TR" dirty="0"/>
@@ -4470,49 +4391,41 @@
           <a:lstStyle/>
           <a:p>
             <a:r>
-              <a:rPr lang="tr-TR" dirty="0" err="1" smtClean="0"/>
+              <a:rPr lang="tr-TR" dirty="0" err="1"/>
               <a:t>Radix</a:t>
             </a:r>
             <a:r>
-              <a:rPr lang="tr-TR" dirty="0" smtClean="0"/>
+              <a:rPr lang="tr-TR" dirty="0"/>
               <a:t> </a:t>
             </a:r>
             <a:r>
-              <a:rPr lang="tr-TR" dirty="0" err="1" smtClean="0"/>
+              <a:rPr lang="tr-TR" dirty="0" err="1"/>
               <a:t>sort</a:t>
             </a:r>
             <a:r>
-              <a:rPr lang="tr-TR" dirty="0" smtClean="0"/>
+              <a:rPr lang="tr-TR" dirty="0"/>
               <a:t> 10 tabanına göre yada </a:t>
             </a:r>
             <a:r>
-              <a:rPr lang="tr-TR" dirty="0" err="1" smtClean="0"/>
+              <a:rPr lang="tr-TR" dirty="0" err="1"/>
               <a:t>binary</a:t>
             </a:r>
             <a:r>
-              <a:rPr lang="tr-TR" dirty="0" smtClean="0"/>
-              <a:t> </a:t>
-            </a:r>
-            <a:r>
-              <a:rPr lang="tr-TR" dirty="0" smtClean="0"/>
-              <a:t>tabana göre kodlanabilir</a:t>
-            </a:r>
-            <a:r>
-              <a:rPr lang="tr-TR" dirty="0" smtClean="0"/>
-              <a:t>.</a:t>
-            </a:r>
-          </a:p>
-          <a:p>
-            <a:r>
-              <a:rPr lang="tr-TR" dirty="0" smtClean="0"/>
+              <a:rPr lang="tr-TR" dirty="0"/>
+              <a:t> tabana göre kodlanabilir.</a:t>
+            </a:r>
+          </a:p>
+          <a:p>
+            <a:r>
+              <a:rPr lang="tr-TR" dirty="0"/>
               <a:t>Kodlaması biraz daha kompleks </a:t>
             </a:r>
             <a:r>
-              <a:rPr lang="tr-TR" dirty="0" err="1" smtClean="0"/>
+              <a:rPr lang="tr-TR" dirty="0" err="1"/>
               <a:t>olsada</a:t>
             </a:r>
             <a:r>
-              <a:rPr lang="tr-TR" dirty="0" smtClean="0"/>
+              <a:rPr lang="tr-TR" dirty="0"/>
               <a:t> çok etkin bir algoritmadır.</a:t>
             </a:r>
           </a:p>
@@ -4537,10 +4450,9 @@
           <a:lstStyle/>
           <a:p>
             <a:r>
-              <a:rPr lang="tr-TR" smtClean="0"/>
+              <a:rPr lang="tr-TR"/>
               <a:t>Yunus Santur , ysantur@gmail.com</a:t>
             </a:r>
-            <a:endParaRPr lang="tr-TR"/>
           </a:p>
         </p:txBody>
       </p:sp>
@@ -4623,13 +4535,6 @@
   <p:clrMapOvr>
     <a:masterClrMapping/>
   </p:clrMapOvr>
-  <p:timing>
-    <p:tnLst>
-      <p:par>
-        <p:cTn id="1" dur="indefinite" restart="never" nodeType="tmRoot"/>
-      </p:par>
-    </p:tnLst>
-  </p:timing>
 </p:sld>
 </file>
 
@@ -4666,10 +4571,9 @@
           <a:lstStyle/>
           <a:p>
             <a:r>
-              <a:rPr lang="tr-TR" dirty="0" smtClean="0"/>
+              <a:rPr lang="tr-TR" dirty="0"/>
               <a:t>Ödev:</a:t>
             </a:r>
-            <a:endParaRPr lang="tr-TR" dirty="0"/>
           </a:p>
         </p:txBody>
       </p:sp>
@@ -4689,14 +4593,13 @@
           <a:lstStyle/>
           <a:p>
             <a:r>
-              <a:rPr lang="tr-TR" dirty="0" err="1" smtClean="0"/>
+              <a:rPr lang="tr-TR" dirty="0" err="1"/>
               <a:t>Radixsort</a:t>
             </a:r>
             <a:r>
-              <a:rPr lang="tr-TR" dirty="0" smtClean="0"/>
+              <a:rPr lang="tr-TR" dirty="0"/>
               <a:t> algoritmasını onlu sayılar üzerinde çalışacak şekilde kodlayınız.</a:t>
             </a:r>
-            <a:endParaRPr lang="tr-TR" dirty="0"/>
           </a:p>
         </p:txBody>
       </p:sp>
@@ -4716,10 +4619,9 @@
           <a:lstStyle/>
           <a:p>
             <a:r>
-              <a:rPr lang="tr-TR" smtClean="0"/>
+              <a:rPr lang="tr-TR"/>
               <a:t>Yunus Santur , ysantur@gmail.com</a:t>
             </a:r>
-            <a:endParaRPr lang="tr-TR"/>
           </a:p>
         </p:txBody>
       </p:sp>
@@ -4733,13 +4635,6 @@
   <p:clrMapOvr>
     <a:masterClrMapping/>
   </p:clrMapOvr>
-  <p:timing>
-    <p:tnLst>
-      <p:par>
-        <p:cTn id="1" dur="indefinite" restart="never" nodeType="tmRoot"/>
-      </p:par>
-    </p:tnLst>
-  </p:timing>
 </p:sld>
 </file>
 
@@ -4776,15 +4671,15 @@
           <a:lstStyle/>
           <a:p>
             <a:r>
-              <a:rPr lang="tr-TR" dirty="0" err="1" smtClean="0"/>
+              <a:rPr lang="tr-TR" dirty="0" err="1"/>
               <a:t>Counting</a:t>
             </a:r>
             <a:r>
-              <a:rPr lang="tr-TR" dirty="0" smtClean="0"/>
+              <a:rPr lang="tr-TR" dirty="0"/>
               <a:t> </a:t>
             </a:r>
             <a:r>
-              <a:rPr lang="tr-TR" dirty="0" err="1" smtClean="0"/>
+              <a:rPr lang="tr-TR" dirty="0" err="1"/>
               <a:t>sort</a:t>
             </a:r>
             <a:endParaRPr lang="tr-TR" dirty="0"/>
@@ -4807,39 +4702,39 @@
           <a:lstStyle/>
           <a:p>
             <a:r>
-              <a:rPr lang="tr-TR" dirty="0" smtClean="0"/>
+              <a:rPr lang="tr-TR" dirty="0"/>
               <a:t>Sayma sıralaması</a:t>
             </a:r>
           </a:p>
           <a:p>
             <a:r>
-              <a:rPr lang="tr-TR" dirty="0" smtClean="0"/>
+              <a:rPr lang="tr-TR" dirty="0"/>
               <a:t>Dizideki en büyük sayıyı bul. (</a:t>
             </a:r>
             <a:r>
-              <a:rPr lang="tr-TR" dirty="0" err="1" smtClean="0"/>
+              <a:rPr lang="tr-TR" dirty="0" err="1"/>
               <a:t>max_val</a:t>
             </a:r>
             <a:r>
-              <a:rPr lang="tr-TR" dirty="0" smtClean="0"/>
+              <a:rPr lang="tr-TR" dirty="0"/>
               <a:t>)</a:t>
             </a:r>
           </a:p>
           <a:p>
             <a:r>
-              <a:rPr lang="tr-TR" dirty="0" smtClean="0"/>
+              <a:rPr lang="tr-TR" dirty="0"/>
               <a:t>Bu boyutta tüm elemanları 0 değeri olan boş bir dizi oluştur.</a:t>
             </a:r>
           </a:p>
           <a:p>
             <a:r>
-              <a:rPr lang="tr-TR" dirty="0" smtClean="0"/>
+              <a:rPr lang="tr-TR" dirty="0"/>
               <a:t>Bir döngüde dizideki her elemandan kaçar adet bulunduğunu bul ve yeni diziye yaz.</a:t>
             </a:r>
           </a:p>
           <a:p>
             <a:r>
-              <a:rPr lang="tr-TR" dirty="0" smtClean="0"/>
+              <a:rPr lang="tr-TR" dirty="0"/>
               <a:t>Yeni bir döngüde üstteki sıralamaya göre elemanları yerine yerleştir.</a:t>
             </a:r>
           </a:p>
@@ -4861,10 +4756,9 @@
           <a:lstStyle/>
           <a:p>
             <a:r>
-              <a:rPr lang="tr-TR" smtClean="0"/>
+              <a:rPr lang="tr-TR"/>
               <a:t>Yunus Santur , ysantur@gmail.com</a:t>
             </a:r>
-            <a:endParaRPr lang="tr-TR"/>
           </a:p>
         </p:txBody>
       </p:sp>
@@ -4878,13 +4772,6 @@
   <p:clrMapOvr>
     <a:masterClrMapping/>
   </p:clrMapOvr>
-  <p:timing>
-    <p:tnLst>
-      <p:par>
-        <p:cTn id="1" dur="indefinite" restart="never" nodeType="tmRoot"/>
-      </p:par>
-    </p:tnLst>
-  </p:timing>
 </p:sld>
 </file>
 
@@ -4921,15 +4808,15 @@
           <a:lstStyle/>
           <a:p>
             <a:r>
-              <a:rPr lang="tr-TR" dirty="0" err="1" smtClean="0"/>
+              <a:rPr lang="tr-TR" dirty="0" err="1"/>
               <a:t>Counting</a:t>
             </a:r>
             <a:r>
-              <a:rPr lang="tr-TR" dirty="0" smtClean="0"/>
+              <a:rPr lang="tr-TR" dirty="0"/>
               <a:t> </a:t>
             </a:r>
             <a:r>
-              <a:rPr lang="tr-TR" dirty="0" err="1" smtClean="0"/>
+              <a:rPr lang="tr-TR" dirty="0" err="1"/>
               <a:t>sort</a:t>
             </a:r>
             <a:endParaRPr lang="tr-TR" dirty="0"/>
@@ -4954,37 +4841,33 @@
           <a:lstStyle/>
           <a:p>
             <a:r>
-              <a:rPr lang="tr-TR" sz="1800" dirty="0" smtClean="0"/>
-              <a:t>Dizideki </a:t>
-            </a:r>
-            <a:r>
-              <a:rPr lang="tr-TR" sz="1800" dirty="0" smtClean="0"/>
-              <a:t>en büyük sayıyı bul. (</a:t>
-            </a:r>
-            <a:r>
-              <a:rPr lang="tr-TR" sz="1800" dirty="0" err="1" smtClean="0"/>
+              <a:rPr lang="tr-TR" sz="1800" dirty="0"/>
+              <a:t>Dizideki en büyük sayıyı bul. (</a:t>
+            </a:r>
+            <a:r>
+              <a:rPr lang="tr-TR" sz="1800" dirty="0" err="1"/>
               <a:t>max_val</a:t>
             </a:r>
             <a:r>
-              <a:rPr lang="tr-TR" sz="1800" dirty="0" smtClean="0"/>
+              <a:rPr lang="tr-TR" sz="1800" dirty="0"/>
               <a:t>)</a:t>
             </a:r>
           </a:p>
           <a:p>
             <a:r>
-              <a:rPr lang="tr-TR" sz="1800" dirty="0" smtClean="0"/>
+              <a:rPr lang="tr-TR" sz="1800" dirty="0"/>
               <a:t>Bu boyutta tüm elemanları 0 değeri olan boş bir dizi oluştur.</a:t>
             </a:r>
           </a:p>
           <a:p>
             <a:r>
-              <a:rPr lang="tr-TR" sz="1800" dirty="0" smtClean="0"/>
+              <a:rPr lang="tr-TR" sz="1800" dirty="0"/>
               <a:t>Bir döngüde dizideki her elemandan kaçar adet bulunduğunu bul ve yeni diziye yaz.</a:t>
             </a:r>
           </a:p>
           <a:p>
             <a:r>
-              <a:rPr lang="tr-TR" sz="1800" dirty="0" smtClean="0"/>
+              <a:rPr lang="tr-TR" sz="1800" dirty="0"/>
               <a:t>Yeni bir döngüde üstteki sıralamaya göre değeri 0 olmayan elemanları yerine yerleştir.</a:t>
             </a:r>
           </a:p>
@@ -5006,10 +4889,9 @@
           <a:lstStyle/>
           <a:p>
             <a:r>
-              <a:rPr lang="tr-TR" smtClean="0"/>
+              <a:rPr lang="tr-TR"/>
               <a:t>Yunus Santur , ysantur@gmail.com</a:t>
             </a:r>
-            <a:endParaRPr lang="tr-TR"/>
           </a:p>
         </p:txBody>
       </p:sp>
@@ -5092,13 +4974,6 @@
   <p:clrMapOvr>
     <a:masterClrMapping/>
   </p:clrMapOvr>
-  <p:timing>
-    <p:tnLst>
-      <p:par>
-        <p:cTn id="1" dur="indefinite" restart="never" nodeType="tmRoot"/>
-      </p:par>
-    </p:tnLst>
-  </p:timing>
 </p:sld>
 </file>
 
@@ -5135,50 +5010,49 @@
           <a:lstStyle/>
           <a:p>
             <a:r>
-              <a:rPr lang="tr-TR" dirty="0" err="1" smtClean="0"/>
+              <a:rPr lang="tr-TR" dirty="0" err="1"/>
               <a:t>Counting</a:t>
             </a:r>
             <a:r>
-              <a:rPr lang="tr-TR" dirty="0" smtClean="0"/>
+              <a:rPr lang="tr-TR" dirty="0"/>
               <a:t> </a:t>
             </a:r>
             <a:r>
-              <a:rPr lang="tr-TR" dirty="0" err="1" smtClean="0"/>
+              <a:rPr lang="tr-TR" dirty="0" err="1"/>
               <a:t>sort</a:t>
             </a:r>
             <a:r>
-              <a:rPr lang="tr-TR" dirty="0" smtClean="0"/>
+              <a:rPr lang="tr-TR" dirty="0"/>
               <a:t> </a:t>
             </a:r>
+          </a:p>
+        </p:txBody>
+      </p:sp>
+      <p:sp>
+        <p:nvSpPr>
+          <p:cNvPr id="3" name="İçerik Yer Tutucusu 2"/>
+          <p:cNvSpPr>
+            <a:spLocks noGrp="1"/>
+          </p:cNvSpPr>
+          <p:nvPr>
+            <p:ph idx="1"/>
+          </p:nvPr>
+        </p:nvSpPr>
+        <p:spPr/>
+        <p:txBody>
+          <a:bodyPr/>
+          <a:lstStyle/>
+          <a:p>
+            <a:r>
+              <a:rPr lang="tr-TR"/>
+              <a:t>Python kodu</a:t>
+            </a:r>
             <a:endParaRPr lang="tr-TR" dirty="0"/>
           </a:p>
         </p:txBody>
       </p:sp>
       <p:sp>
         <p:nvSpPr>
-          <p:cNvPr id="3" name="İçerik Yer Tutucusu 2"/>
-          <p:cNvSpPr>
-            <a:spLocks noGrp="1"/>
-          </p:cNvSpPr>
-          <p:nvPr>
-            <p:ph idx="1"/>
-          </p:nvPr>
-        </p:nvSpPr>
-        <p:spPr/>
-        <p:txBody>
-          <a:bodyPr/>
-          <a:lstStyle/>
-          <a:p>
-            <a:r>
-              <a:rPr lang="tr-TR" smtClean="0"/>
-              <a:t>Python kodu</a:t>
-            </a:r>
-            <a:endParaRPr lang="tr-TR" dirty="0"/>
-          </a:p>
-        </p:txBody>
-      </p:sp>
-      <p:sp>
-        <p:nvSpPr>
           <p:cNvPr id="4" name="Altbilgi Yer Tutucusu 3"/>
           <p:cNvSpPr>
             <a:spLocks noGrp="1"/>
@@ -5193,10 +5067,9 @@
           <a:lstStyle/>
           <a:p>
             <a:r>
-              <a:rPr lang="tr-TR" smtClean="0"/>
+              <a:rPr lang="tr-TR"/>
               <a:t>Yunus Santur , ysantur@gmail.com</a:t>
             </a:r>
-            <a:endParaRPr lang="tr-TR"/>
           </a:p>
         </p:txBody>
       </p:sp>
@@ -5306,13 +5179,6 @@
   <p:clrMapOvr>
     <a:masterClrMapping/>
   </p:clrMapOvr>
-  <p:timing>
-    <p:tnLst>
-      <p:par>
-        <p:cTn id="1" dur="indefinite" restart="never" nodeType="tmRoot"/>
-      </p:par>
-    </p:tnLst>
-  </p:timing>
 </p:sld>
 </file>
 
@@ -5371,30 +5237,60 @@
           <a:lstStyle/>
           <a:p>
             <a:r>
-              <a:rPr lang="tr-TR" dirty="0" err="1" smtClean="0"/>
+              <a:rPr lang="tr-TR" dirty="0" err="1"/>
               <a:t>Quick</a:t>
             </a:r>
             <a:r>
-              <a:rPr lang="tr-TR" dirty="0" smtClean="0"/>
+              <a:rPr lang="tr-TR" dirty="0"/>
               <a:t> </a:t>
             </a:r>
             <a:r>
-              <a:rPr lang="tr-TR" dirty="0" err="1" smtClean="0"/>
+              <a:rPr lang="tr-TR" dirty="0" err="1"/>
               <a:t>sort</a:t>
             </a:r>
-            <a:endParaRPr lang="tr-TR" dirty="0" smtClean="0"/>
-          </a:p>
-          <a:p>
-            <a:r>
-              <a:rPr lang="tr-TR" dirty="0" err="1" smtClean="0"/>
+            <a:endParaRPr lang="tr-TR" dirty="0"/>
+          </a:p>
+          <a:p>
+            <a:r>
+              <a:rPr lang="tr-TR" dirty="0" err="1"/>
               <a:t>Merge</a:t>
             </a:r>
             <a:r>
-              <a:rPr lang="tr-TR" dirty="0" smtClean="0"/>
+              <a:rPr lang="tr-TR" dirty="0"/>
               <a:t> </a:t>
             </a:r>
             <a:r>
-              <a:rPr lang="tr-TR" dirty="0" err="1" smtClean="0"/>
+              <a:rPr lang="tr-TR" dirty="0" err="1"/>
+              <a:t>sort</a:t>
+            </a:r>
+            <a:endParaRPr lang="tr-TR" dirty="0"/>
+          </a:p>
+          <a:p>
+            <a:r>
+              <a:rPr lang="tr-TR" dirty="0" err="1"/>
+              <a:t>Radix</a:t>
+            </a:r>
+            <a:r>
+              <a:rPr lang="tr-TR" dirty="0"/>
+              <a:t> </a:t>
+            </a:r>
+            <a:r>
+              <a:rPr lang="tr-TR" dirty="0" err="1"/>
+              <a:t>sort</a:t>
+            </a:r>
+            <a:endParaRPr lang="tr-TR" dirty="0"/>
+          </a:p>
+          <a:p>
+            <a:r>
+              <a:rPr lang="tr-TR" dirty="0" err="1"/>
+              <a:t>Counting</a:t>
+            </a:r>
+            <a:r>
+              <a:rPr lang="tr-TR" dirty="0"/>
+              <a:t> </a:t>
+            </a:r>
+            <a:r>
+              <a:rPr lang="tr-TR"/>
               <a:t>sort</a:t>
             </a:r>
             <a:endParaRPr lang="tr-TR" dirty="0"/>
@@ -5433,13 +5329,6 @@
   <p:clrMapOvr>
     <a:masterClrMapping/>
   </p:clrMapOvr>
-  <p:timing>
-    <p:tnLst>
-      <p:par>
-        <p:cTn id="1" dur="indefinite" restart="never" nodeType="tmRoot"/>
-      </p:par>
-    </p:tnLst>
-  </p:timing>
 </p:sld>
 </file>
 
@@ -5476,15 +5365,15 @@
           <a:lstStyle/>
           <a:p>
             <a:r>
-              <a:rPr lang="tr-TR" dirty="0" err="1" smtClean="0"/>
+              <a:rPr lang="tr-TR" dirty="0" err="1"/>
               <a:t>Counting</a:t>
             </a:r>
             <a:r>
-              <a:rPr lang="tr-TR" dirty="0" smtClean="0"/>
+              <a:rPr lang="tr-TR" dirty="0"/>
               <a:t> </a:t>
             </a:r>
             <a:r>
-              <a:rPr lang="tr-TR" dirty="0" err="1" smtClean="0"/>
+              <a:rPr lang="tr-TR" dirty="0" err="1"/>
               <a:t>sort</a:t>
             </a:r>
             <a:endParaRPr lang="tr-TR" dirty="0"/>
@@ -5507,81 +5396,72 @@
           <a:lstStyle/>
           <a:p>
             <a:r>
-              <a:rPr lang="tr-TR" dirty="0" smtClean="0"/>
+              <a:rPr lang="tr-TR" dirty="0"/>
               <a:t>Algoritma analizi</a:t>
             </a:r>
           </a:p>
           <a:p>
             <a:pPr lvl="1"/>
             <a:r>
-              <a:rPr lang="tr-TR" dirty="0" smtClean="0"/>
+              <a:rPr lang="tr-TR" dirty="0"/>
               <a:t>Yerinde sıralama yapmaz. (yer değiştirme yok)</a:t>
             </a:r>
           </a:p>
           <a:p>
             <a:pPr lvl="1"/>
             <a:r>
-              <a:rPr lang="tr-TR" dirty="0" smtClean="0"/>
+              <a:rPr lang="tr-TR" dirty="0"/>
               <a:t>Yeni dizi oluşturur. (en büyük değerdeki eleman kadar)</a:t>
             </a:r>
           </a:p>
           <a:p>
             <a:pPr lvl="1"/>
             <a:r>
-              <a:rPr lang="tr-TR" dirty="0" smtClean="0"/>
+              <a:rPr lang="tr-TR" dirty="0"/>
               <a:t>Ekstra depolama alanına ihtiyaç duyar.</a:t>
             </a:r>
           </a:p>
           <a:p>
             <a:pPr lvl="1"/>
             <a:r>
-              <a:rPr lang="tr-TR" dirty="0" smtClean="0"/>
+              <a:rPr lang="tr-TR" dirty="0"/>
               <a:t>O(n)</a:t>
             </a:r>
           </a:p>
           <a:p>
             <a:pPr lvl="1"/>
             <a:r>
-              <a:rPr lang="tr-TR" dirty="0" smtClean="0"/>
+              <a:rPr lang="tr-TR" dirty="0"/>
               <a:t>Bu algoritmada kritik nokta dizideki en büyük sayının değeridir.</a:t>
             </a:r>
           </a:p>
           <a:p>
             <a:pPr lvl="2"/>
             <a:r>
-              <a:rPr lang="tr-TR" dirty="0" smtClean="0"/>
-              <a:t>Eğer bu sayı çok büyükse bellek </a:t>
-            </a:r>
-            <a:r>
-              <a:rPr lang="tr-TR" dirty="0" smtClean="0"/>
-              <a:t>ihtiyacı artar</a:t>
-            </a:r>
-            <a:r>
-              <a:rPr lang="tr-TR" dirty="0" smtClean="0"/>
-              <a:t>.</a:t>
+              <a:rPr lang="tr-TR" dirty="0"/>
+              <a:t>Eğer bu sayı çok büyükse bellek ihtiyacı artar.</a:t>
             </a:r>
           </a:p>
           <a:p>
             <a:pPr lvl="2"/>
             <a:r>
-              <a:rPr lang="tr-TR" dirty="0" smtClean="0"/>
+              <a:rPr lang="tr-TR" dirty="0"/>
               <a:t>Çalışma zamanı lineerdir.</a:t>
             </a:r>
           </a:p>
           <a:p>
             <a:pPr lvl="2"/>
             <a:r>
-              <a:rPr lang="tr-TR" dirty="0" smtClean="0"/>
+              <a:rPr lang="tr-TR" dirty="0"/>
               <a:t>Soru:</a:t>
             </a:r>
           </a:p>
           <a:p>
             <a:pPr lvl="2"/>
             <a:r>
-              <a:rPr lang="tr-TR" dirty="0" smtClean="0"/>
+              <a:rPr lang="tr-TR" dirty="0"/>
               <a:t>32-bitlik en büyük sayı dizi içinde varsa ne kadar bellek ayırmamız lazım?</a:t>
             </a:r>
-            <a:endParaRPr lang="tr-TR" dirty="0"/>
           </a:p>
         </p:txBody>
       </p:sp>
@@ -5601,10 +5481,9 @@
           <a:lstStyle/>
           <a:p>
             <a:r>
-              <a:rPr lang="tr-TR" smtClean="0"/>
+              <a:rPr lang="tr-TR"/>
               <a:t>Yunus Santur , ysantur@gmail.com</a:t>
             </a:r>
-            <a:endParaRPr lang="tr-TR"/>
           </a:p>
         </p:txBody>
       </p:sp>
@@ -5618,13 +5497,6 @@
   <p:clrMapOvr>
     <a:masterClrMapping/>
   </p:clrMapOvr>
-  <p:timing>
-    <p:tnLst>
-      <p:par>
-        <p:cTn id="1" dur="indefinite" restart="never" nodeType="tmRoot"/>
-      </p:par>
-    </p:tnLst>
-  </p:timing>
 </p:sld>
 </file>
 
@@ -5661,15 +5533,15 @@
           <a:lstStyle/>
           <a:p>
             <a:r>
-              <a:rPr lang="tr-TR" dirty="0" err="1" smtClean="0"/>
+              <a:rPr lang="tr-TR" dirty="0" err="1"/>
               <a:t>Quick</a:t>
             </a:r>
             <a:r>
-              <a:rPr lang="tr-TR" dirty="0" smtClean="0"/>
+              <a:rPr lang="tr-TR" dirty="0"/>
               <a:t> </a:t>
             </a:r>
             <a:r>
-              <a:rPr lang="tr-TR" dirty="0" err="1" smtClean="0"/>
+              <a:rPr lang="tr-TR" dirty="0" err="1"/>
               <a:t>sort</a:t>
             </a:r>
             <a:endParaRPr lang="tr-TR" dirty="0"/>
@@ -5692,60 +5564,59 @@
           <a:lstStyle/>
           <a:p>
             <a:r>
-              <a:rPr lang="tr-TR" dirty="0" smtClean="0"/>
+              <a:rPr lang="tr-TR" dirty="0"/>
               <a:t>Pivot seçilir (genellikle dizinin ilk elemanı)</a:t>
             </a:r>
           </a:p>
           <a:p>
             <a:r>
-              <a:rPr lang="tr-TR" dirty="0" smtClean="0"/>
+              <a:rPr lang="tr-TR" dirty="0"/>
               <a:t>Pivottan daha küçük elemanlar ayrı bir diziye  (</a:t>
             </a:r>
             <a:r>
-              <a:rPr lang="tr-TR" dirty="0" err="1" smtClean="0"/>
+              <a:rPr lang="tr-TR" dirty="0" err="1"/>
               <a:t>kucuk</a:t>
             </a:r>
             <a:r>
-              <a:rPr lang="tr-TR" dirty="0" smtClean="0"/>
+              <a:rPr lang="tr-TR" dirty="0"/>
               <a:t>) atılır.</a:t>
             </a:r>
           </a:p>
           <a:p>
             <a:r>
-              <a:rPr lang="tr-TR" dirty="0" smtClean="0"/>
+              <a:rPr lang="tr-TR" dirty="0"/>
               <a:t>Pivottan daha büyük elemanlar ayrı bir diziye (</a:t>
             </a:r>
             <a:r>
-              <a:rPr lang="tr-TR" dirty="0" err="1" smtClean="0"/>
+              <a:rPr lang="tr-TR" dirty="0" err="1"/>
               <a:t>buyuk</a:t>
             </a:r>
             <a:r>
-              <a:rPr lang="tr-TR" dirty="0" smtClean="0"/>
+              <a:rPr lang="tr-TR" dirty="0"/>
               <a:t>) atılır.</a:t>
             </a:r>
           </a:p>
           <a:p>
             <a:r>
-              <a:rPr lang="tr-TR" dirty="0" smtClean="0"/>
+              <a:rPr lang="tr-TR" dirty="0"/>
               <a:t>Dizinin eleman sayısı 1 olana kadar </a:t>
             </a:r>
             <a:r>
-              <a:rPr lang="tr-TR" dirty="0" err="1" smtClean="0"/>
+              <a:rPr lang="tr-TR" dirty="0" err="1"/>
               <a:t>rekürsif</a:t>
             </a:r>
             <a:r>
-              <a:rPr lang="tr-TR" dirty="0" smtClean="0"/>
+              <a:rPr lang="tr-TR" dirty="0"/>
               <a:t> (</a:t>
             </a:r>
             <a:r>
-              <a:rPr lang="tr-TR" dirty="0" err="1" smtClean="0"/>
+              <a:rPr lang="tr-TR" dirty="0" err="1"/>
               <a:t>kucuk+pivot+buyuk</a:t>
             </a:r>
             <a:r>
-              <a:rPr lang="tr-TR" dirty="0" smtClean="0"/>
+              <a:rPr lang="tr-TR" dirty="0"/>
               <a:t>) için çalışır.</a:t>
             </a:r>
-            <a:endParaRPr lang="tr-TR" dirty="0"/>
           </a:p>
         </p:txBody>
       </p:sp>
@@ -5765,10 +5636,9 @@
           <a:lstStyle/>
           <a:p>
             <a:r>
-              <a:rPr lang="tr-TR" smtClean="0"/>
+              <a:rPr lang="tr-TR"/>
               <a:t>Yunus Santur , ysantur@gmail.com</a:t>
             </a:r>
-            <a:endParaRPr lang="tr-TR"/>
           </a:p>
         </p:txBody>
       </p:sp>
@@ -5851,13 +5721,6 @@
   <p:clrMapOvr>
     <a:masterClrMapping/>
   </p:clrMapOvr>
-  <p:timing>
-    <p:tnLst>
-      <p:par>
-        <p:cTn id="1" dur="indefinite" restart="never" nodeType="tmRoot"/>
-      </p:par>
-    </p:tnLst>
-  </p:timing>
 </p:sld>
 </file>
 
@@ -5894,15 +5757,15 @@
           <a:lstStyle/>
           <a:p>
             <a:r>
-              <a:rPr lang="tr-TR" dirty="0" err="1" smtClean="0"/>
+              <a:rPr lang="tr-TR" dirty="0" err="1"/>
               <a:t>Quick</a:t>
             </a:r>
             <a:r>
-              <a:rPr lang="tr-TR" dirty="0" smtClean="0"/>
+              <a:rPr lang="tr-TR" dirty="0"/>
               <a:t> </a:t>
             </a:r>
             <a:r>
-              <a:rPr lang="tr-TR" dirty="0" err="1" smtClean="0"/>
+              <a:rPr lang="tr-TR" dirty="0" err="1"/>
               <a:t>sort</a:t>
             </a:r>
             <a:endParaRPr lang="tr-TR" dirty="0"/>
@@ -5925,10 +5788,9 @@
           <a:lstStyle/>
           <a:p>
             <a:r>
-              <a:rPr lang="tr-TR" dirty="0" smtClean="0"/>
+              <a:rPr lang="tr-TR" dirty="0"/>
               <a:t>Algoritma çalışma mantığı</a:t>
             </a:r>
-            <a:endParaRPr lang="tr-TR" dirty="0"/>
           </a:p>
         </p:txBody>
       </p:sp>
@@ -5948,10 +5810,9 @@
           <a:lstStyle/>
           <a:p>
             <a:r>
-              <a:rPr lang="tr-TR" smtClean="0"/>
+              <a:rPr lang="tr-TR"/>
               <a:t>Yunus Santur , ysantur@gmail.com</a:t>
             </a:r>
-            <a:endParaRPr lang="tr-TR"/>
           </a:p>
         </p:txBody>
       </p:sp>
@@ -6034,13 +5895,6 @@
   <p:clrMapOvr>
     <a:masterClrMapping/>
   </p:clrMapOvr>
-  <p:timing>
-    <p:tnLst>
-      <p:par>
-        <p:cTn id="1" dur="indefinite" restart="never" nodeType="tmRoot"/>
-      </p:par>
-    </p:tnLst>
-  </p:timing>
 </p:sld>
 </file>
 
@@ -6077,15 +5931,15 @@
           <a:lstStyle/>
           <a:p>
             <a:r>
-              <a:rPr lang="tr-TR" dirty="0" err="1" smtClean="0"/>
+              <a:rPr lang="tr-TR" dirty="0" err="1"/>
               <a:t>Quick</a:t>
             </a:r>
             <a:r>
-              <a:rPr lang="tr-TR" dirty="0" smtClean="0"/>
+              <a:rPr lang="tr-TR" dirty="0"/>
               <a:t> </a:t>
             </a:r>
             <a:r>
-              <a:rPr lang="tr-TR" dirty="0" err="1" smtClean="0"/>
+              <a:rPr lang="tr-TR" dirty="0" err="1"/>
               <a:t>sort</a:t>
             </a:r>
             <a:endParaRPr lang="tr-TR" dirty="0"/>
@@ -6108,11 +5962,11 @@
           <a:lstStyle/>
           <a:p>
             <a:r>
-              <a:rPr lang="tr-TR" dirty="0" err="1" smtClean="0"/>
+              <a:rPr lang="tr-TR" dirty="0" err="1"/>
               <a:t>Python</a:t>
             </a:r>
             <a:r>
-              <a:rPr lang="tr-TR" dirty="0" smtClean="0"/>
+              <a:rPr lang="tr-TR" dirty="0"/>
               <a:t> kodu</a:t>
             </a:r>
           </a:p>
@@ -6137,10 +5991,9 @@
           <a:lstStyle/>
           <a:p>
             <a:r>
-              <a:rPr lang="tr-TR" smtClean="0"/>
+              <a:rPr lang="tr-TR"/>
               <a:t>Yunus Santur , ysantur@gmail.com</a:t>
             </a:r>
-            <a:endParaRPr lang="tr-TR"/>
           </a:p>
         </p:txBody>
       </p:sp>
@@ -6178,13 +6031,6 @@
   <p:clrMapOvr>
     <a:masterClrMapping/>
   </p:clrMapOvr>
-  <p:timing>
-    <p:tnLst>
-      <p:par>
-        <p:cTn id="1" dur="indefinite" restart="never" nodeType="tmRoot"/>
-      </p:par>
-    </p:tnLst>
-  </p:timing>
 </p:sld>
 </file>
 
@@ -6221,15 +6067,15 @@
           <a:lstStyle/>
           <a:p>
             <a:r>
-              <a:rPr lang="tr-TR" dirty="0" err="1" smtClean="0"/>
+              <a:rPr lang="tr-TR" dirty="0" err="1"/>
               <a:t>Quick</a:t>
             </a:r>
             <a:r>
-              <a:rPr lang="tr-TR" dirty="0" smtClean="0"/>
+              <a:rPr lang="tr-TR" dirty="0"/>
               <a:t> </a:t>
             </a:r>
             <a:r>
-              <a:rPr lang="tr-TR" dirty="0" err="1" smtClean="0"/>
+              <a:rPr lang="tr-TR" dirty="0" err="1"/>
               <a:t>sort</a:t>
             </a:r>
             <a:endParaRPr lang="tr-TR" dirty="0"/>
@@ -6252,56 +6098,56 @@
           <a:lstStyle/>
           <a:p>
             <a:r>
-              <a:rPr lang="tr-TR" dirty="0" smtClean="0"/>
+              <a:rPr lang="tr-TR" dirty="0"/>
               <a:t>Algoritma analizi</a:t>
             </a:r>
           </a:p>
           <a:p>
             <a:r>
-              <a:rPr lang="tr-TR" dirty="0" smtClean="0"/>
+              <a:rPr lang="tr-TR" dirty="0"/>
               <a:t>Pivot elemanın dizinin orta elemanı olarak varsaydığımızda</a:t>
             </a:r>
           </a:p>
           <a:p>
             <a:pPr lvl="1"/>
             <a:r>
-              <a:rPr lang="tr-TR" dirty="0" smtClean="0"/>
+              <a:rPr lang="tr-TR" dirty="0"/>
               <a:t>Dizi her defasında ikiye bölündüğü için</a:t>
             </a:r>
           </a:p>
           <a:p>
             <a:pPr lvl="1"/>
             <a:r>
-              <a:rPr lang="tr-TR" dirty="0" smtClean="0"/>
+              <a:rPr lang="tr-TR" dirty="0"/>
               <a:t>O(nlog</a:t>
             </a:r>
             <a:r>
-              <a:rPr lang="tr-TR" baseline="-25000" dirty="0" smtClean="0"/>
+              <a:rPr lang="tr-TR" baseline="-25000" dirty="0"/>
               <a:t>2</a:t>
             </a:r>
             <a:r>
-              <a:rPr lang="tr-TR" dirty="0" smtClean="0"/>
+              <a:rPr lang="tr-TR" dirty="0"/>
               <a:t>n) elde edilir.</a:t>
             </a:r>
           </a:p>
           <a:p>
             <a:r>
-              <a:rPr lang="tr-TR" dirty="0" smtClean="0"/>
+              <a:rPr lang="tr-TR" dirty="0"/>
               <a:t>Düşük ihtimalde olsa en kötü durumda</a:t>
             </a:r>
           </a:p>
           <a:p>
             <a:pPr lvl="1"/>
             <a:r>
-              <a:rPr lang="tr-TR" dirty="0" smtClean="0"/>
+              <a:rPr lang="tr-TR" dirty="0"/>
               <a:t>O(n</a:t>
             </a:r>
             <a:r>
-              <a:rPr lang="tr-TR" baseline="30000" dirty="0" smtClean="0"/>
+              <a:rPr lang="tr-TR" baseline="30000" dirty="0"/>
               <a:t>2</a:t>
             </a:r>
             <a:r>
-              <a:rPr lang="tr-TR" dirty="0" smtClean="0"/>
+              <a:rPr lang="tr-TR" dirty="0"/>
               <a:t>) elde edilir.</a:t>
             </a:r>
           </a:p>
@@ -6323,10 +6169,9 @@
           <a:lstStyle/>
           <a:p>
             <a:r>
-              <a:rPr lang="tr-TR" smtClean="0"/>
+              <a:rPr lang="tr-TR"/>
               <a:t>Yunus Santur , ysantur@gmail.com</a:t>
             </a:r>
-            <a:endParaRPr lang="tr-TR"/>
           </a:p>
         </p:txBody>
       </p:sp>
@@ -6340,13 +6185,6 @@
   <p:clrMapOvr>
     <a:masterClrMapping/>
   </p:clrMapOvr>
-  <p:timing>
-    <p:tnLst>
-      <p:par>
-        <p:cTn id="1" dur="indefinite" restart="never" nodeType="tmRoot"/>
-      </p:par>
-    </p:tnLst>
-  </p:timing>
 </p:sld>
 </file>
 
@@ -6383,15 +6221,15 @@
           <a:lstStyle/>
           <a:p>
             <a:r>
-              <a:rPr lang="tr-TR" dirty="0" err="1" smtClean="0"/>
+              <a:rPr lang="tr-TR" dirty="0" err="1"/>
               <a:t>Merge</a:t>
             </a:r>
             <a:r>
-              <a:rPr lang="tr-TR" dirty="0" smtClean="0"/>
+              <a:rPr lang="tr-TR" dirty="0"/>
               <a:t> </a:t>
             </a:r>
             <a:r>
-              <a:rPr lang="tr-TR" dirty="0" err="1" smtClean="0"/>
+              <a:rPr lang="tr-TR" dirty="0" err="1"/>
               <a:t>sort</a:t>
             </a:r>
             <a:endParaRPr lang="tr-TR" dirty="0"/>
@@ -6414,28 +6252,27 @@
           <a:lstStyle/>
           <a:p>
             <a:r>
-              <a:rPr lang="tr-TR" dirty="0" smtClean="0"/>
+              <a:rPr lang="tr-TR" dirty="0"/>
               <a:t>Diziyi 2 yada daha az eleman kalana kadar ikiye böl.</a:t>
             </a:r>
           </a:p>
           <a:p>
             <a:r>
-              <a:rPr lang="tr-TR" dirty="0" smtClean="0"/>
+              <a:rPr lang="tr-TR" dirty="0"/>
               <a:t>Her diziyi kendi içinde sırala</a:t>
             </a:r>
           </a:p>
           <a:p>
             <a:r>
-              <a:rPr lang="tr-TR" dirty="0" smtClean="0"/>
+              <a:rPr lang="tr-TR" dirty="0"/>
               <a:t>Kendi içinde sıralı alt dizileri sıraya dikkat ederek birleştir.</a:t>
             </a:r>
           </a:p>
           <a:p>
             <a:r>
-              <a:rPr lang="tr-TR" dirty="0" smtClean="0"/>
+              <a:rPr lang="tr-TR" dirty="0"/>
               <a:t>Tüm alt diziler birleştirilip tek dizi elde edilince dur.</a:t>
             </a:r>
-            <a:endParaRPr lang="tr-TR" dirty="0"/>
           </a:p>
         </p:txBody>
       </p:sp>
@@ -6455,10 +6292,9 @@
           <a:lstStyle/>
           <a:p>
             <a:r>
-              <a:rPr lang="tr-TR" smtClean="0"/>
+              <a:rPr lang="tr-TR"/>
               <a:t>Yunus Santur , ysantur@gmail.com</a:t>
             </a:r>
-            <a:endParaRPr lang="tr-TR"/>
           </a:p>
         </p:txBody>
       </p:sp>
@@ -6541,13 +6377,6 @@
   <p:clrMapOvr>
     <a:masterClrMapping/>
   </p:clrMapOvr>
-  <p:timing>
-    <p:tnLst>
-      <p:par>
-        <p:cTn id="1" dur="indefinite" restart="never" nodeType="tmRoot"/>
-      </p:par>
-    </p:tnLst>
-  </p:timing>
 </p:sld>
 </file>
 
@@ -6584,15 +6413,15 @@
           <a:lstStyle/>
           <a:p>
             <a:r>
-              <a:rPr lang="tr-TR" dirty="0" err="1" smtClean="0"/>
+              <a:rPr lang="tr-TR" dirty="0" err="1"/>
               <a:t>Merge</a:t>
             </a:r>
             <a:r>
-              <a:rPr lang="tr-TR" dirty="0" smtClean="0"/>
+              <a:rPr lang="tr-TR" dirty="0"/>
               <a:t> </a:t>
             </a:r>
             <a:r>
-              <a:rPr lang="tr-TR" dirty="0" err="1" smtClean="0"/>
+              <a:rPr lang="tr-TR" dirty="0" err="1"/>
               <a:t>sort</a:t>
             </a:r>
             <a:endParaRPr lang="tr-TR" dirty="0"/>
@@ -6615,19 +6444,19 @@
           <a:lstStyle/>
           <a:p>
             <a:r>
-              <a:rPr lang="tr-TR" dirty="0" smtClean="0"/>
+              <a:rPr lang="tr-TR" dirty="0"/>
               <a:t>Diziyi 2 yada daha az eleman kalana kadar ikiye böl.</a:t>
             </a:r>
           </a:p>
           <a:p>
             <a:r>
-              <a:rPr lang="tr-TR" dirty="0" smtClean="0"/>
+              <a:rPr lang="tr-TR" dirty="0"/>
               <a:t>Her diziyi kendi içinde sırala</a:t>
             </a:r>
           </a:p>
           <a:p>
             <a:r>
-              <a:rPr lang="tr-TR" dirty="0" smtClean="0"/>
+              <a:rPr lang="tr-TR" dirty="0"/>
               <a:t>Kendi içinde sıralı alt dizileri sıraya dikkat ederek birleştir.</a:t>
             </a:r>
           </a:p>
@@ -6638,11 +6467,11 @@
             </a:r>
           </a:p>
           <a:p>
-            <a:endParaRPr lang="tr-TR" dirty="0" smtClean="0"/>
-          </a:p>
-          <a:p>
             <a:endParaRPr lang="tr-TR" dirty="0"/>
           </a:p>
+          <a:p>
+            <a:endParaRPr lang="tr-TR" dirty="0"/>
+          </a:p>
         </p:txBody>
       </p:sp>
       <p:sp>
@@ -6661,10 +6490,9 @@
           <a:lstStyle/>
           <a:p>
             <a:r>
-              <a:rPr lang="tr-TR" smtClean="0"/>
+              <a:rPr lang="tr-TR"/>
               <a:t>Yunus Santur , ysantur@gmail.com</a:t>
             </a:r>
-            <a:endParaRPr lang="tr-TR"/>
           </a:p>
         </p:txBody>
       </p:sp>
@@ -6747,13 +6575,6 @@
   <p:clrMapOvr>
     <a:masterClrMapping/>
   </p:clrMapOvr>
-  <p:timing>
-    <p:tnLst>
-      <p:par>
-        <p:cTn id="1" dur="indefinite" restart="never" nodeType="tmRoot"/>
-      </p:par>
-    </p:tnLst>
-  </p:timing>
 </p:sld>
 </file>
 
@@ -6790,64 +6611,63 @@
           <a:lstStyle/>
           <a:p>
             <a:r>
-              <a:rPr lang="tr-TR" dirty="0" err="1" smtClean="0"/>
+              <a:rPr lang="tr-TR" dirty="0" err="1"/>
               <a:t>Merge</a:t>
             </a:r>
             <a:r>
-              <a:rPr lang="tr-TR" dirty="0" smtClean="0"/>
+              <a:rPr lang="tr-TR" dirty="0"/>
               <a:t> </a:t>
             </a:r>
             <a:r>
-              <a:rPr lang="tr-TR" dirty="0" err="1" smtClean="0"/>
+              <a:rPr lang="tr-TR" dirty="0" err="1"/>
               <a:t>sort</a:t>
             </a:r>
             <a:r>
-              <a:rPr lang="tr-TR" dirty="0" smtClean="0"/>
+              <a:rPr lang="tr-TR" dirty="0"/>
               <a:t> </a:t>
             </a:r>
             <a:r>
-              <a:rPr lang="tr-TR" dirty="0" err="1" smtClean="0"/>
+              <a:rPr lang="tr-TR" dirty="0" err="1"/>
               <a:t>python</a:t>
             </a:r>
             <a:r>
-              <a:rPr lang="tr-TR" dirty="0" smtClean="0"/>
+              <a:rPr lang="tr-TR" dirty="0"/>
               <a:t> kodu</a:t>
             </a:r>
+          </a:p>
+        </p:txBody>
+      </p:sp>
+      <p:sp>
+        <p:nvSpPr>
+          <p:cNvPr id="3" name="İçerik Yer Tutucusu 2"/>
+          <p:cNvSpPr>
+            <a:spLocks noGrp="1"/>
+          </p:cNvSpPr>
+          <p:nvPr>
+            <p:ph sz="half" idx="1"/>
+          </p:nvPr>
+        </p:nvSpPr>
+        <p:spPr/>
+        <p:txBody>
+          <a:bodyPr/>
+          <a:lstStyle/>
+          <a:p>
+            <a:r>
+              <a:rPr lang="tr-TR" dirty="0" err="1"/>
+              <a:t>Mergesort</a:t>
+            </a:r>
+            <a:r>
+              <a:rPr lang="tr-TR" dirty="0"/>
+              <a:t> ana metot</a:t>
+            </a:r>
+          </a:p>
+          <a:p>
             <a:endParaRPr lang="tr-TR" dirty="0"/>
           </a:p>
         </p:txBody>
       </p:sp>
       <p:sp>
         <p:nvSpPr>
-          <p:cNvPr id="3" name="İçerik Yer Tutucusu 2"/>
-          <p:cNvSpPr>
-            <a:spLocks noGrp="1"/>
-          </p:cNvSpPr>
-          <p:nvPr>
-            <p:ph sz="half" idx="1"/>
-          </p:nvPr>
-        </p:nvSpPr>
-        <p:spPr/>
-        <p:txBody>
-          <a:bodyPr/>
-          <a:lstStyle/>
-          <a:p>
-            <a:r>
-              <a:rPr lang="tr-TR" dirty="0" err="1" smtClean="0"/>
-              <a:t>Mergesort</a:t>
-            </a:r>
-            <a:r>
-              <a:rPr lang="tr-TR" dirty="0" smtClean="0"/>
-              <a:t> metodu</a:t>
-            </a:r>
-          </a:p>
-          <a:p>
-            <a:endParaRPr lang="tr-TR" dirty="0"/>
-          </a:p>
-        </p:txBody>
-      </p:sp>
-      <p:sp>
-        <p:nvSpPr>
           <p:cNvPr id="4" name="İçerik Yer Tutucusu 3"/>
           <p:cNvSpPr>
             <a:spLocks noGrp="1"/>
@@ -6862,10 +6682,9 @@
           <a:lstStyle/>
           <a:p>
             <a:r>
-              <a:rPr lang="tr-TR" dirty="0" smtClean="0"/>
+              <a:rPr lang="tr-TR" dirty="0"/>
               <a:t>Birleştirme metodu</a:t>
             </a:r>
-            <a:endParaRPr lang="tr-TR" dirty="0"/>
           </a:p>
         </p:txBody>
       </p:sp>
@@ -6885,10 +6704,9 @@
           <a:lstStyle/>
           <a:p>
             <a:r>
-              <a:rPr lang="tr-TR" smtClean="0"/>
+              <a:rPr lang="tr-TR"/>
               <a:t>Yunus Santur , ysantur@gmail.com</a:t>
             </a:r>
-            <a:endParaRPr lang="tr-TR"/>
           </a:p>
         </p:txBody>
       </p:sp>
@@ -6950,13 +6768,6 @@
   <p:clrMapOvr>
     <a:masterClrMapping/>
   </p:clrMapOvr>
-  <p:timing>
-    <p:tnLst>
-      <p:par>
-        <p:cTn id="1" dur="indefinite" restart="never" nodeType="tmRoot"/>
-      </p:par>
-    </p:tnLst>
-  </p:timing>
 </p:sld>
 </file>
 
